--- a/presentations/Review 2.pptx
+++ b/presentations/Review 2.pptx
@@ -8,9 +8,9 @@
     <p:sldId id="256" r:id="rId2"/>
     <p:sldId id="259" r:id="rId3"/>
     <p:sldId id="258" r:id="rId4"/>
-    <p:sldId id="260" r:id="rId5"/>
+    <p:sldId id="262" r:id="rId5"/>
     <p:sldId id="261" r:id="rId6"/>
-    <p:sldId id="262" r:id="rId7"/>
+    <p:sldId id="260" r:id="rId7"/>
     <p:sldId id="264" r:id="rId8"/>
     <p:sldId id="265" r:id="rId9"/>
   </p:sldIdLst>
@@ -111,6 +111,11 @@
       </a:defRPr>
     </a:lvl9pPr>
   </p:defaultTextStyle>
+  <p:extLst>
+    <p:ext uri="{EFAFB233-063F-42B5-8137-9DF3F51BA10A}">
+      <p15:sldGuideLst xmlns:p15="http://schemas.microsoft.com/office/powerpoint/2012/main"/>
+    </p:ext>
+  </p:extLst>
 </p:presentation>
 </file>
 
@@ -337,7 +342,7 @@
             <a:fld id="{A37D6D71-8B28-4ED6-B932-04B197003D23}" type="datetimeFigureOut">
               <a:rPr lang="en-US" smtClean="0"/>
               <a:pPr algn="r"/>
-              <a:t>2/18/2022</a:t>
+              <a:t>3/2/2022</a:t>
             </a:fld>
             <a:endParaRPr lang="en-US" dirty="0"/>
           </a:p>
@@ -559,7 +564,7 @@
             <a:fld id="{A37D6D71-8B28-4ED6-B932-04B197003D23}" type="datetimeFigureOut">
               <a:rPr lang="en-US" smtClean="0"/>
               <a:pPr algn="r"/>
-              <a:t>2/18/2022</a:t>
+              <a:t>3/2/2022</a:t>
             </a:fld>
             <a:endParaRPr lang="en-US" dirty="0"/>
           </a:p>
@@ -842,7 +847,7 @@
             <a:fld id="{A37D6D71-8B28-4ED6-B932-04B197003D23}" type="datetimeFigureOut">
               <a:rPr lang="en-US" smtClean="0"/>
               <a:pPr algn="r"/>
-              <a:t>2/18/2022</a:t>
+              <a:t>3/2/2022</a:t>
             </a:fld>
             <a:endParaRPr lang="en-US" dirty="0"/>
           </a:p>
@@ -1056,7 +1061,7 @@
             <a:fld id="{A37D6D71-8B28-4ED6-B932-04B197003D23}" type="datetimeFigureOut">
               <a:rPr lang="en-US" smtClean="0"/>
               <a:pPr algn="r"/>
-              <a:t>2/18/2022</a:t>
+              <a:t>3/2/2022</a:t>
             </a:fld>
             <a:endParaRPr lang="en-US" dirty="0"/>
           </a:p>
@@ -1394,7 +1399,7 @@
             <a:fld id="{A37D6D71-8B28-4ED6-B932-04B197003D23}" type="datetimeFigureOut">
               <a:rPr lang="en-US" smtClean="0"/>
               <a:pPr algn="r"/>
-              <a:t>2/18/2022</a:t>
+              <a:t>3/2/2022</a:t>
             </a:fld>
             <a:endParaRPr lang="en-US" dirty="0"/>
           </a:p>
@@ -1669,7 +1674,7 @@
             <a:fld id="{A37D6D71-8B28-4ED6-B932-04B197003D23}" type="datetimeFigureOut">
               <a:rPr lang="en-US" smtClean="0"/>
               <a:pPr algn="r"/>
-              <a:t>2/18/2022</a:t>
+              <a:t>3/2/2022</a:t>
             </a:fld>
             <a:endParaRPr lang="en-US" dirty="0"/>
           </a:p>
@@ -2058,7 +2063,7 @@
             <a:fld id="{A37D6D71-8B28-4ED6-B932-04B197003D23}" type="datetimeFigureOut">
               <a:rPr lang="en-US" smtClean="0"/>
               <a:pPr algn="r"/>
-              <a:t>2/18/2022</a:t>
+              <a:t>3/2/2022</a:t>
             </a:fld>
             <a:endParaRPr lang="en-US" dirty="0"/>
           </a:p>
@@ -2235,7 +2240,7 @@
             <a:fld id="{A37D6D71-8B28-4ED6-B932-04B197003D23}" type="datetimeFigureOut">
               <a:rPr lang="en-US" smtClean="0"/>
               <a:pPr algn="r"/>
-              <a:t>2/18/2022</a:t>
+              <a:t>3/2/2022</a:t>
             </a:fld>
             <a:endParaRPr lang="en-US" dirty="0"/>
           </a:p>
@@ -2356,7 +2361,7 @@
             <a:fld id="{A37D6D71-8B28-4ED6-B932-04B197003D23}" type="datetimeFigureOut">
               <a:rPr lang="en-US" smtClean="0"/>
               <a:pPr algn="r"/>
-              <a:t>2/18/2022</a:t>
+              <a:t>3/2/2022</a:t>
             </a:fld>
             <a:endParaRPr lang="en-US" dirty="0"/>
           </a:p>
@@ -2641,7 +2646,7 @@
             <a:fld id="{A37D6D71-8B28-4ED6-B932-04B197003D23}" type="datetimeFigureOut">
               <a:rPr lang="en-US" smtClean="0"/>
               <a:pPr algn="r"/>
-              <a:t>2/18/2022</a:t>
+              <a:t>3/2/2022</a:t>
             </a:fld>
             <a:endParaRPr lang="en-US" dirty="0"/>
           </a:p>
@@ -2942,7 +2947,7 @@
             <a:fld id="{A37D6D71-8B28-4ED6-B932-04B197003D23}" type="datetimeFigureOut">
               <a:rPr lang="en-US" smtClean="0"/>
               <a:pPr algn="r"/>
-              <a:t>2/18/2022</a:t>
+              <a:t>3/2/2022</a:t>
             </a:fld>
             <a:endParaRPr lang="en-US" dirty="0"/>
           </a:p>
@@ -3290,7 +3295,7 @@
             <a:fld id="{A37D6D71-8B28-4ED6-B932-04B197003D23}" type="datetimeFigureOut">
               <a:rPr lang="en-US" smtClean="0"/>
               <a:pPr algn="r"/>
-              <a:t>2/18/2022</a:t>
+              <a:t>3/2/2022</a:t>
             </a:fld>
             <a:endParaRPr lang="en-US" spc="50" dirty="0"/>
           </a:p>
@@ -3991,10 +3996,10 @@
       </p:grpSpPr>
       <p:pic>
         <p:nvPicPr>
-          <p:cNvPr id="3" name="Picture 2" descr="Diagram&#10;&#10;Description automatically generated">
-            <a:extLst>
-              <a:ext uri="{FF2B5EF4-FFF2-40B4-BE49-F238E27FC236}">
-                <a16:creationId xmlns:a16="http://schemas.microsoft.com/office/drawing/2014/main" id="{583FF564-6439-4E02-85B4-7EDF96742068}"/>
+          <p:cNvPr id="4" name="Picture 3">
+            <a:extLst>
+              <a:ext uri="{FF2B5EF4-FFF2-40B4-BE49-F238E27FC236}">
+                <a16:creationId xmlns:a16="http://schemas.microsoft.com/office/drawing/2014/main" id="{F4C06737-A139-43A9-B02E-C0851CB8CA37}"/>
               </a:ext>
             </a:extLst>
           </p:cNvPr>
@@ -4004,30 +4009,15 @@
           <p:nvPr/>
         </p:nvPicPr>
         <p:blipFill>
-          <a:blip r:embed="rId2">
-            <a:extLst>
-              <a:ext uri="{BEBA8EAE-BF5A-486C-A8C5-ECC9F3942E4B}">
-                <a14:imgProps xmlns:a14="http://schemas.microsoft.com/office/drawing/2010/main">
-                  <a14:imgLayer r:embed="rId3">
-                    <a14:imgEffect>
-                      <a14:brightnessContrast contrast="40000"/>
-                    </a14:imgEffect>
-                  </a14:imgLayer>
-                </a14:imgProps>
-              </a:ext>
-              <a:ext uri="{28A0092B-C50C-407E-A947-70E740481C1C}">
-                <a14:useLocalDpi xmlns:a14="http://schemas.microsoft.com/office/drawing/2010/main" val="0"/>
-              </a:ext>
-            </a:extLst>
-          </a:blip>
+          <a:blip r:embed="rId2"/>
           <a:stretch>
             <a:fillRect/>
           </a:stretch>
         </p:blipFill>
         <p:spPr>
           <a:xfrm>
-            <a:off x="0" y="380009"/>
-            <a:ext cx="12192000" cy="6097982"/>
+            <a:off x="1855304" y="0"/>
+            <a:ext cx="8481392" cy="6858000"/>
           </a:xfrm>
           <a:prstGeom prst="rect">
             <a:avLst/>
@@ -4069,7 +4059,7 @@
           <p:cNvPr id="2" name="Title 1">
             <a:extLst>
               <a:ext uri="{FF2B5EF4-FFF2-40B4-BE49-F238E27FC236}">
-                <a16:creationId xmlns:a16="http://schemas.microsoft.com/office/drawing/2014/main" id="{1909AC65-EFD7-409D-9504-DDBC08554009}"/>
+                <a16:creationId xmlns:a16="http://schemas.microsoft.com/office/drawing/2014/main" id="{CD1362AB-533C-4536-A3D8-3746A277BFDC}"/>
               </a:ext>
             </a:extLst>
           </p:cNvPr>
@@ -4086,42 +4076,75 @@
           <a:lstStyle/>
           <a:p>
             <a:r>
-              <a:rPr lang="en-US" dirty="0" err="1"/>
-              <a:t>Github</a:t>
-            </a:r>
-            <a:endParaRPr lang="en-US" dirty="0"/>
-          </a:p>
-        </p:txBody>
-      </p:sp>
-      <p:sp>
-        <p:nvSpPr>
-          <p:cNvPr id="3" name="Content Placeholder 2">
-            <a:extLst>
-              <a:ext uri="{FF2B5EF4-FFF2-40B4-BE49-F238E27FC236}">
-                <a16:creationId xmlns:a16="http://schemas.microsoft.com/office/drawing/2014/main" id="{8ED463D2-AF30-4C31-896C-0474E421236B}"/>
-              </a:ext>
-            </a:extLst>
-          </p:cNvPr>
-          <p:cNvSpPr>
-            <a:spLocks noGrp="1"/>
-          </p:cNvSpPr>
+              <a:rPr lang="en-US" dirty="0"/>
+              <a:t>GITHUB COMMITS</a:t>
+            </a:r>
+          </a:p>
+        </p:txBody>
+      </p:sp>
+      <p:pic>
+        <p:nvPicPr>
+          <p:cNvPr id="5" name="Content Placeholder 4">
+            <a:extLst>
+              <a:ext uri="{FF2B5EF4-FFF2-40B4-BE49-F238E27FC236}">
+                <a16:creationId xmlns:a16="http://schemas.microsoft.com/office/drawing/2014/main" id="{E574443E-5A22-4950-BB39-FDC792486FEA}"/>
+              </a:ext>
+            </a:extLst>
+          </p:cNvPr>
+          <p:cNvPicPr>
+            <a:picLocks noGrp="1" noChangeAspect="1"/>
+          </p:cNvPicPr>
           <p:nvPr>
             <p:ph idx="1"/>
           </p:nvPr>
-        </p:nvSpPr>
-        <p:spPr/>
-        <p:txBody>
-          <a:bodyPr/>
-          <a:lstStyle/>
-          <a:p>
-            <a:endParaRPr lang="en-US"/>
-          </a:p>
-        </p:txBody>
-      </p:sp>
+        </p:nvPicPr>
+        <p:blipFill>
+          <a:blip r:embed="rId2"/>
+          <a:stretch>
+            <a:fillRect/>
+          </a:stretch>
+        </p:blipFill>
+        <p:spPr>
+          <a:xfrm>
+            <a:off x="812154" y="2614258"/>
+            <a:ext cx="5007095" cy="3594100"/>
+          </a:xfrm>
+        </p:spPr>
+      </p:pic>
+      <p:pic>
+        <p:nvPicPr>
+          <p:cNvPr id="7" name="Picture 6">
+            <a:extLst>
+              <a:ext uri="{FF2B5EF4-FFF2-40B4-BE49-F238E27FC236}">
+                <a16:creationId xmlns:a16="http://schemas.microsoft.com/office/drawing/2014/main" id="{9A5079BB-E67F-4DD6-A6FE-1D0C3C575331}"/>
+              </a:ext>
+            </a:extLst>
+          </p:cNvPr>
+          <p:cNvPicPr>
+            <a:picLocks noChangeAspect="1"/>
+          </p:cNvPicPr>
+          <p:nvPr/>
+        </p:nvPicPr>
+        <p:blipFill>
+          <a:blip r:embed="rId2"/>
+          <a:stretch>
+            <a:fillRect/>
+          </a:stretch>
+        </p:blipFill>
+        <p:spPr>
+          <a:xfrm>
+            <a:off x="6096000" y="2614258"/>
+            <a:ext cx="5007095" cy="3594100"/>
+          </a:xfrm>
+          <a:prstGeom prst="rect">
+            <a:avLst/>
+          </a:prstGeom>
+        </p:spPr>
+      </p:pic>
     </p:spTree>
     <p:extLst>
       <p:ext uri="{BB962C8B-B14F-4D97-AF65-F5344CB8AC3E}">
-        <p14:creationId xmlns:p14="http://schemas.microsoft.com/office/powerpoint/2010/main" val="2138908266"/>
+        <p14:creationId xmlns:p14="http://schemas.microsoft.com/office/powerpoint/2010/main" val="1990128645"/>
       </p:ext>
     </p:extLst>
   </p:cSld>
@@ -4288,7 +4311,7 @@
           <p:cNvPr id="2" name="Title 1">
             <a:extLst>
               <a:ext uri="{FF2B5EF4-FFF2-40B4-BE49-F238E27FC236}">
-                <a16:creationId xmlns:a16="http://schemas.microsoft.com/office/drawing/2014/main" id="{CD1362AB-533C-4536-A3D8-3746A277BFDC}"/>
+                <a16:creationId xmlns:a16="http://schemas.microsoft.com/office/drawing/2014/main" id="{1909AC65-EFD7-409D-9504-DDBC08554009}"/>
               </a:ext>
             </a:extLst>
           </p:cNvPr>
@@ -4306,40 +4329,74 @@
           <a:p>
             <a:r>
               <a:rPr lang="en-US" dirty="0"/>
-              <a:t>Alpha testing </a:t>
-            </a:r>
-          </a:p>
-        </p:txBody>
-      </p:sp>
-      <p:sp>
-        <p:nvSpPr>
-          <p:cNvPr id="3" name="Content Placeholder 2">
-            <a:extLst>
-              <a:ext uri="{FF2B5EF4-FFF2-40B4-BE49-F238E27FC236}">
-                <a16:creationId xmlns:a16="http://schemas.microsoft.com/office/drawing/2014/main" id="{4A42CAF0-D2A2-4B0D-89D6-8BE898C726F7}"/>
-              </a:ext>
-            </a:extLst>
-          </p:cNvPr>
-          <p:cNvSpPr>
-            <a:spLocks noGrp="1"/>
-          </p:cNvSpPr>
+              <a:t>APLHA TESTING</a:t>
+            </a:r>
+          </a:p>
+        </p:txBody>
+      </p:sp>
+      <p:pic>
+        <p:nvPicPr>
+          <p:cNvPr id="4" name="Content Placeholder 3">
+            <a:extLst>
+              <a:ext uri="{FF2B5EF4-FFF2-40B4-BE49-F238E27FC236}">
+                <a16:creationId xmlns:a16="http://schemas.microsoft.com/office/drawing/2014/main" id="{6AE134A8-F9E6-409B-9548-A02B618C2D91}"/>
+              </a:ext>
+            </a:extLst>
+          </p:cNvPr>
+          <p:cNvPicPr>
+            <a:picLocks noGrp="1" noChangeAspect="1"/>
+          </p:cNvPicPr>
           <p:nvPr>
             <p:ph idx="1"/>
           </p:nvPr>
-        </p:nvSpPr>
-        <p:spPr/>
-        <p:txBody>
-          <a:bodyPr/>
-          <a:lstStyle/>
-          <a:p>
-            <a:endParaRPr lang="en-US"/>
-          </a:p>
-        </p:txBody>
-      </p:sp>
+        </p:nvPicPr>
+        <p:blipFill>
+          <a:blip r:embed="rId2"/>
+          <a:stretch>
+            <a:fillRect/>
+          </a:stretch>
+        </p:blipFill>
+        <p:spPr>
+          <a:xfrm>
+            <a:off x="655566" y="2605380"/>
+            <a:ext cx="4006378" cy="3594100"/>
+          </a:xfrm>
+        </p:spPr>
+      </p:pic>
+      <p:pic>
+        <p:nvPicPr>
+          <p:cNvPr id="6" name="Picture 5">
+            <a:extLst>
+              <a:ext uri="{FF2B5EF4-FFF2-40B4-BE49-F238E27FC236}">
+                <a16:creationId xmlns:a16="http://schemas.microsoft.com/office/drawing/2014/main" id="{FEE04FDC-3B1E-48E1-970F-C5659F362A2E}"/>
+              </a:ext>
+            </a:extLst>
+          </p:cNvPr>
+          <p:cNvPicPr>
+            <a:picLocks noChangeAspect="1"/>
+          </p:cNvPicPr>
+          <p:nvPr/>
+        </p:nvPicPr>
+        <p:blipFill>
+          <a:blip r:embed="rId3"/>
+          <a:stretch>
+            <a:fillRect/>
+          </a:stretch>
+        </p:blipFill>
+        <p:spPr>
+          <a:xfrm>
+            <a:off x="5605784" y="3198981"/>
+            <a:ext cx="5930650" cy="2786170"/>
+          </a:xfrm>
+          <a:prstGeom prst="rect">
+            <a:avLst/>
+          </a:prstGeom>
+        </p:spPr>
+      </p:pic>
     </p:spTree>
     <p:extLst>
       <p:ext uri="{BB962C8B-B14F-4D97-AF65-F5344CB8AC3E}">
-        <p14:creationId xmlns:p14="http://schemas.microsoft.com/office/powerpoint/2010/main" val="1990128645"/>
+        <p14:creationId xmlns:p14="http://schemas.microsoft.com/office/powerpoint/2010/main" val="2138908266"/>
       </p:ext>
     </p:extLst>
   </p:cSld>

--- a/presentations/Review 2.pptx
+++ b/presentations/Review 2.pptx
@@ -6,13 +6,15 @@
   </p:sldMasterIdLst>
   <p:sldIdLst>
     <p:sldId id="256" r:id="rId2"/>
-    <p:sldId id="259" r:id="rId3"/>
-    <p:sldId id="258" r:id="rId4"/>
-    <p:sldId id="262" r:id="rId5"/>
-    <p:sldId id="261" r:id="rId6"/>
-    <p:sldId id="260" r:id="rId7"/>
-    <p:sldId id="264" r:id="rId8"/>
-    <p:sldId id="265" r:id="rId9"/>
+    <p:sldId id="266" r:id="rId3"/>
+    <p:sldId id="259" r:id="rId4"/>
+    <p:sldId id="258" r:id="rId5"/>
+    <p:sldId id="267" r:id="rId6"/>
+    <p:sldId id="262" r:id="rId7"/>
+    <p:sldId id="261" r:id="rId8"/>
+    <p:sldId id="260" r:id="rId9"/>
+    <p:sldId id="264" r:id="rId10"/>
+    <p:sldId id="265" r:id="rId11"/>
   </p:sldIdLst>
   <p:sldSz cx="12192000" cy="6858000"/>
   <p:notesSz cx="6858000" cy="9144000"/>
@@ -342,7 +344,7 @@
             <a:fld id="{A37D6D71-8B28-4ED6-B932-04B197003D23}" type="datetimeFigureOut">
               <a:rPr lang="en-US" smtClean="0"/>
               <a:pPr algn="r"/>
-              <a:t>3/2/2022</a:t>
+              <a:t>3/3/2022</a:t>
             </a:fld>
             <a:endParaRPr lang="en-US" dirty="0"/>
           </a:p>
@@ -564,7 +566,7 @@
             <a:fld id="{A37D6D71-8B28-4ED6-B932-04B197003D23}" type="datetimeFigureOut">
               <a:rPr lang="en-US" smtClean="0"/>
               <a:pPr algn="r"/>
-              <a:t>3/2/2022</a:t>
+              <a:t>3/3/2022</a:t>
             </a:fld>
             <a:endParaRPr lang="en-US" dirty="0"/>
           </a:p>
@@ -847,7 +849,7 @@
             <a:fld id="{A37D6D71-8B28-4ED6-B932-04B197003D23}" type="datetimeFigureOut">
               <a:rPr lang="en-US" smtClean="0"/>
               <a:pPr algn="r"/>
-              <a:t>3/2/2022</a:t>
+              <a:t>3/3/2022</a:t>
             </a:fld>
             <a:endParaRPr lang="en-US" dirty="0"/>
           </a:p>
@@ -1061,7 +1063,7 @@
             <a:fld id="{A37D6D71-8B28-4ED6-B932-04B197003D23}" type="datetimeFigureOut">
               <a:rPr lang="en-US" smtClean="0"/>
               <a:pPr algn="r"/>
-              <a:t>3/2/2022</a:t>
+              <a:t>3/3/2022</a:t>
             </a:fld>
             <a:endParaRPr lang="en-US" dirty="0"/>
           </a:p>
@@ -1399,7 +1401,7 @@
             <a:fld id="{A37D6D71-8B28-4ED6-B932-04B197003D23}" type="datetimeFigureOut">
               <a:rPr lang="en-US" smtClean="0"/>
               <a:pPr algn="r"/>
-              <a:t>3/2/2022</a:t>
+              <a:t>3/3/2022</a:t>
             </a:fld>
             <a:endParaRPr lang="en-US" dirty="0"/>
           </a:p>
@@ -1674,7 +1676,7 @@
             <a:fld id="{A37D6D71-8B28-4ED6-B932-04B197003D23}" type="datetimeFigureOut">
               <a:rPr lang="en-US" smtClean="0"/>
               <a:pPr algn="r"/>
-              <a:t>3/2/2022</a:t>
+              <a:t>3/3/2022</a:t>
             </a:fld>
             <a:endParaRPr lang="en-US" dirty="0"/>
           </a:p>
@@ -2063,7 +2065,7 @@
             <a:fld id="{A37D6D71-8B28-4ED6-B932-04B197003D23}" type="datetimeFigureOut">
               <a:rPr lang="en-US" smtClean="0"/>
               <a:pPr algn="r"/>
-              <a:t>3/2/2022</a:t>
+              <a:t>3/3/2022</a:t>
             </a:fld>
             <a:endParaRPr lang="en-US" dirty="0"/>
           </a:p>
@@ -2240,7 +2242,7 @@
             <a:fld id="{A37D6D71-8B28-4ED6-B932-04B197003D23}" type="datetimeFigureOut">
               <a:rPr lang="en-US" smtClean="0"/>
               <a:pPr algn="r"/>
-              <a:t>3/2/2022</a:t>
+              <a:t>3/3/2022</a:t>
             </a:fld>
             <a:endParaRPr lang="en-US" dirty="0"/>
           </a:p>
@@ -2361,7 +2363,7 @@
             <a:fld id="{A37D6D71-8B28-4ED6-B932-04B197003D23}" type="datetimeFigureOut">
               <a:rPr lang="en-US" smtClean="0"/>
               <a:pPr algn="r"/>
-              <a:t>3/2/2022</a:t>
+              <a:t>3/3/2022</a:t>
             </a:fld>
             <a:endParaRPr lang="en-US" dirty="0"/>
           </a:p>
@@ -2646,7 +2648,7 @@
             <a:fld id="{A37D6D71-8B28-4ED6-B932-04B197003D23}" type="datetimeFigureOut">
               <a:rPr lang="en-US" smtClean="0"/>
               <a:pPr algn="r"/>
-              <a:t>3/2/2022</a:t>
+              <a:t>3/3/2022</a:t>
             </a:fld>
             <a:endParaRPr lang="en-US" dirty="0"/>
           </a:p>
@@ -2947,7 +2949,7 @@
             <a:fld id="{A37D6D71-8B28-4ED6-B932-04B197003D23}" type="datetimeFigureOut">
               <a:rPr lang="en-US" smtClean="0"/>
               <a:pPr algn="r"/>
-              <a:t>3/2/2022</a:t>
+              <a:t>3/3/2022</a:t>
             </a:fld>
             <a:endParaRPr lang="en-US" dirty="0"/>
           </a:p>
@@ -3295,7 +3297,7 @@
             <a:fld id="{A37D6D71-8B28-4ED6-B932-04B197003D23}" type="datetimeFigureOut">
               <a:rPr lang="en-US" smtClean="0"/>
               <a:pPr algn="r"/>
-              <a:t>3/2/2022</a:t>
+              <a:t>3/3/2022</a:t>
             </a:fld>
             <a:endParaRPr lang="en-US" spc="50" dirty="0"/>
           </a:p>
@@ -3889,6 +3891,89 @@
 </p:sld>
 </file>
 
+<file path=ppt/slides/slide10.xml><?xml version="1.0" encoding="utf-8"?>
+<p:sld xmlns:a="http://schemas.openxmlformats.org/drawingml/2006/main" xmlns:r="http://schemas.openxmlformats.org/officeDocument/2006/relationships" xmlns:p="http://schemas.openxmlformats.org/presentationml/2006/main">
+  <p:cSld>
+    <p:spTree>
+      <p:nvGrpSpPr>
+        <p:cNvPr id="1" name=""/>
+        <p:cNvGrpSpPr/>
+        <p:nvPr/>
+      </p:nvGrpSpPr>
+      <p:grpSpPr>
+        <a:xfrm>
+          <a:off x="0" y="0"/>
+          <a:ext cx="0" cy="0"/>
+          <a:chOff x="0" y="0"/>
+          <a:chExt cx="0" cy="0"/>
+        </a:xfrm>
+      </p:grpSpPr>
+      <p:sp>
+        <p:nvSpPr>
+          <p:cNvPr id="2" name="Title 1">
+            <a:extLst>
+              <a:ext uri="{FF2B5EF4-FFF2-40B4-BE49-F238E27FC236}">
+                <a16:creationId xmlns:a16="http://schemas.microsoft.com/office/drawing/2014/main" id="{70B3815C-2E50-4C91-AAA5-EAD8485CC8D2}"/>
+              </a:ext>
+            </a:extLst>
+          </p:cNvPr>
+          <p:cNvSpPr>
+            <a:spLocks noGrp="1"/>
+          </p:cNvSpPr>
+          <p:nvPr>
+            <p:ph type="title"/>
+          </p:nvPr>
+        </p:nvSpPr>
+        <p:spPr/>
+        <p:txBody>
+          <a:bodyPr/>
+          <a:lstStyle/>
+          <a:p>
+            <a:r>
+              <a:rPr lang="en-US" dirty="0"/>
+              <a:t>Thank you </a:t>
+            </a:r>
+          </a:p>
+        </p:txBody>
+      </p:sp>
+      <p:sp>
+        <p:nvSpPr>
+          <p:cNvPr id="3" name="Text Placeholder 2">
+            <a:extLst>
+              <a:ext uri="{FF2B5EF4-FFF2-40B4-BE49-F238E27FC236}">
+                <a16:creationId xmlns:a16="http://schemas.microsoft.com/office/drawing/2014/main" id="{482A4537-C316-4670-BDAF-8F219D25DF21}"/>
+              </a:ext>
+            </a:extLst>
+          </p:cNvPr>
+          <p:cNvSpPr>
+            <a:spLocks noGrp="1"/>
+          </p:cNvSpPr>
+          <p:nvPr>
+            <p:ph type="body" idx="1"/>
+          </p:nvPr>
+        </p:nvSpPr>
+        <p:spPr/>
+        <p:txBody>
+          <a:bodyPr/>
+          <a:lstStyle/>
+          <a:p>
+            <a:endParaRPr lang="en-US"/>
+          </a:p>
+        </p:txBody>
+      </p:sp>
+    </p:spTree>
+    <p:extLst>
+      <p:ext uri="{BB962C8B-B14F-4D97-AF65-F5344CB8AC3E}">
+        <p14:creationId xmlns:p14="http://schemas.microsoft.com/office/powerpoint/2010/main" val="806972047"/>
+      </p:ext>
+    </p:extLst>
+  </p:cSld>
+  <p:clrMapOvr>
+    <a:masterClrMapping/>
+  </p:clrMapOvr>
+</p:sld>
+</file>
+
 <file path=ppt/slides/slide2.xml><?xml version="1.0" encoding="utf-8"?>
 <p:sld xmlns:a="http://schemas.openxmlformats.org/drawingml/2006/main" xmlns:r="http://schemas.openxmlformats.org/officeDocument/2006/relationships" xmlns:p="http://schemas.openxmlformats.org/presentationml/2006/main">
   <p:cSld>
@@ -3911,6 +3996,106 @@
           <p:cNvPr id="2" name="Title 1">
             <a:extLst>
               <a:ext uri="{FF2B5EF4-FFF2-40B4-BE49-F238E27FC236}">
+                <a16:creationId xmlns:a16="http://schemas.microsoft.com/office/drawing/2014/main" id="{29265257-7D6F-4EF3-B842-886CB8D0C83A}"/>
+              </a:ext>
+            </a:extLst>
+          </p:cNvPr>
+          <p:cNvSpPr>
+            <a:spLocks noGrp="1"/>
+          </p:cNvSpPr>
+          <p:nvPr>
+            <p:ph type="title"/>
+          </p:nvPr>
+        </p:nvSpPr>
+        <p:spPr/>
+        <p:txBody>
+          <a:bodyPr/>
+          <a:lstStyle/>
+          <a:p>
+            <a:r>
+              <a:rPr lang="en-US" dirty="0"/>
+              <a:t>Abstract</a:t>
+            </a:r>
+          </a:p>
+        </p:txBody>
+      </p:sp>
+      <p:sp>
+        <p:nvSpPr>
+          <p:cNvPr id="3" name="Content Placeholder 2">
+            <a:extLst>
+              <a:ext uri="{FF2B5EF4-FFF2-40B4-BE49-F238E27FC236}">
+                <a16:creationId xmlns:a16="http://schemas.microsoft.com/office/drawing/2014/main" id="{8FD5A36F-821E-47BD-8EB7-6C0C5865C731}"/>
+              </a:ext>
+            </a:extLst>
+          </p:cNvPr>
+          <p:cNvSpPr>
+            <a:spLocks noGrp="1"/>
+          </p:cNvSpPr>
+          <p:nvPr>
+            <p:ph idx="1"/>
+          </p:nvPr>
+        </p:nvSpPr>
+        <p:spPr/>
+        <p:txBody>
+          <a:bodyPr>
+            <a:normAutofit lnSpcReduction="10000"/>
+          </a:bodyPr>
+          <a:lstStyle/>
+          <a:p>
+            <a:r>
+              <a:rPr lang="en-US" dirty="0"/>
+              <a:t>The field of human resources analysis, which can be understood as an approach to human recourses management focused on data and analytical thinking. </a:t>
+            </a:r>
+          </a:p>
+          <a:p>
+            <a:r>
+              <a:rPr lang="en-US" dirty="0"/>
+              <a:t>Human resources analysis an optimal use of human resources to ensure that the human resources of an organization remain an asset and not a liability. </a:t>
+            </a:r>
+          </a:p>
+          <a:p>
+            <a:r>
+              <a:rPr lang="en-US" dirty="0"/>
+              <a:t>The project analyzes the data of the employees working in the organization. </a:t>
+            </a:r>
+          </a:p>
+        </p:txBody>
+      </p:sp>
+    </p:spTree>
+    <p:extLst>
+      <p:ext uri="{BB962C8B-B14F-4D97-AF65-F5344CB8AC3E}">
+        <p14:creationId xmlns:p14="http://schemas.microsoft.com/office/powerpoint/2010/main" val="1677007750"/>
+      </p:ext>
+    </p:extLst>
+  </p:cSld>
+  <p:clrMapOvr>
+    <a:masterClrMapping/>
+  </p:clrMapOvr>
+</p:sld>
+</file>
+
+<file path=ppt/slides/slide3.xml><?xml version="1.0" encoding="utf-8"?>
+<p:sld xmlns:a="http://schemas.openxmlformats.org/drawingml/2006/main" xmlns:r="http://schemas.openxmlformats.org/officeDocument/2006/relationships" xmlns:p="http://schemas.openxmlformats.org/presentationml/2006/main">
+  <p:cSld>
+    <p:spTree>
+      <p:nvGrpSpPr>
+        <p:cNvPr id="1" name=""/>
+        <p:cNvGrpSpPr/>
+        <p:nvPr/>
+      </p:nvGrpSpPr>
+      <p:grpSpPr>
+        <a:xfrm>
+          <a:off x="0" y="0"/>
+          <a:ext cx="0" cy="0"/>
+          <a:chOff x="0" y="0"/>
+          <a:chExt cx="0" cy="0"/>
+        </a:xfrm>
+      </p:grpSpPr>
+      <p:sp>
+        <p:nvSpPr>
+          <p:cNvPr id="2" name="Title 1">
+            <a:extLst>
+              <a:ext uri="{FF2B5EF4-FFF2-40B4-BE49-F238E27FC236}">
                 <a16:creationId xmlns:a16="http://schemas.microsoft.com/office/drawing/2014/main" id="{D956BFE9-A635-48ED-968C-828855349B1A}"/>
               </a:ext>
             </a:extLst>
@@ -3977,7 +4162,7 @@
 </p:sld>
 </file>
 
-<file path=ppt/slides/slide3.xml><?xml version="1.0" encoding="utf-8"?>
+<file path=ppt/slides/slide4.xml><?xml version="1.0" encoding="utf-8"?>
 <p:sld xmlns:a="http://schemas.openxmlformats.org/drawingml/2006/main" xmlns:r="http://schemas.openxmlformats.org/officeDocument/2006/relationships" xmlns:p="http://schemas.openxmlformats.org/presentationml/2006/main">
   <p:cSld>
     <p:spTree>
@@ -4037,7 +4222,142 @@
 </p:sld>
 </file>
 
-<file path=ppt/slides/slide4.xml><?xml version="1.0" encoding="utf-8"?>
+<file path=ppt/slides/slide5.xml><?xml version="1.0" encoding="utf-8"?>
+<p:sld xmlns:a="http://schemas.openxmlformats.org/drawingml/2006/main" xmlns:r="http://schemas.openxmlformats.org/officeDocument/2006/relationships" xmlns:p="http://schemas.openxmlformats.org/presentationml/2006/main">
+  <p:cSld>
+    <p:spTree>
+      <p:nvGrpSpPr>
+        <p:cNvPr id="1" name=""/>
+        <p:cNvGrpSpPr/>
+        <p:nvPr/>
+      </p:nvGrpSpPr>
+      <p:grpSpPr>
+        <a:xfrm>
+          <a:off x="0" y="0"/>
+          <a:ext cx="0" cy="0"/>
+          <a:chOff x="0" y="0"/>
+          <a:chExt cx="0" cy="0"/>
+        </a:xfrm>
+      </p:grpSpPr>
+      <p:sp>
+        <p:nvSpPr>
+          <p:cNvPr id="2" name="Title 1">
+            <a:extLst>
+              <a:ext uri="{FF2B5EF4-FFF2-40B4-BE49-F238E27FC236}">
+                <a16:creationId xmlns:a16="http://schemas.microsoft.com/office/drawing/2014/main" id="{5059B7F5-EB34-44E6-9239-A1515A821FA6}"/>
+              </a:ext>
+            </a:extLst>
+          </p:cNvPr>
+          <p:cNvSpPr>
+            <a:spLocks noGrp="1"/>
+          </p:cNvSpPr>
+          <p:nvPr>
+            <p:ph type="title"/>
+          </p:nvPr>
+        </p:nvSpPr>
+        <p:spPr/>
+        <p:txBody>
+          <a:bodyPr/>
+          <a:lstStyle/>
+          <a:p>
+            <a:r>
+              <a:rPr lang="en-US" dirty="0"/>
+              <a:t>methods</a:t>
+            </a:r>
+          </a:p>
+        </p:txBody>
+      </p:sp>
+      <p:sp>
+        <p:nvSpPr>
+          <p:cNvPr id="3" name="Content Placeholder 2">
+            <a:extLst>
+              <a:ext uri="{FF2B5EF4-FFF2-40B4-BE49-F238E27FC236}">
+                <a16:creationId xmlns:a16="http://schemas.microsoft.com/office/drawing/2014/main" id="{4435295C-B0E7-476A-B258-A63A1094A935}"/>
+              </a:ext>
+            </a:extLst>
+          </p:cNvPr>
+          <p:cNvSpPr>
+            <a:spLocks noGrp="1"/>
+          </p:cNvSpPr>
+          <p:nvPr>
+            <p:ph idx="1"/>
+          </p:nvPr>
+        </p:nvSpPr>
+        <p:spPr/>
+        <p:txBody>
+          <a:bodyPr/>
+          <a:lstStyle/>
+          <a:p>
+            <a:r>
+              <a:rPr lang="en-US" dirty="0"/>
+              <a:t>The project is coded in python </a:t>
+            </a:r>
+          </a:p>
+          <a:p>
+            <a:r>
+              <a:rPr lang="en-US" dirty="0"/>
+              <a:t>The dependencies that are used are</a:t>
+            </a:r>
+          </a:p>
+          <a:p>
+            <a:pPr lvl="1"/>
+            <a:r>
+              <a:rPr lang="en-US" dirty="0" err="1"/>
+              <a:t>Numpy</a:t>
+            </a:r>
+            <a:r>
+              <a:rPr lang="en-US" dirty="0"/>
+              <a:t> – mathematical  functions</a:t>
+            </a:r>
+          </a:p>
+          <a:p>
+            <a:pPr lvl="1"/>
+            <a:r>
+              <a:rPr lang="en-US" dirty="0"/>
+              <a:t>Pandas – data  analysis and manipulation </a:t>
+            </a:r>
+          </a:p>
+          <a:p>
+            <a:pPr lvl="1"/>
+            <a:r>
+              <a:rPr lang="en-US" dirty="0"/>
+              <a:t>Matplotlib – plotting library </a:t>
+            </a:r>
+          </a:p>
+          <a:p>
+            <a:pPr lvl="1"/>
+            <a:r>
+              <a:rPr lang="en-US" dirty="0"/>
+              <a:t>Seaborn – visualization library based on matplotlib</a:t>
+            </a:r>
+          </a:p>
+          <a:p>
+            <a:pPr lvl="1"/>
+            <a:r>
+              <a:rPr lang="en-US" dirty="0" err="1"/>
+              <a:t>Ploty</a:t>
+            </a:r>
+            <a:r>
+              <a:rPr lang="en-US" dirty="0"/>
+              <a:t> – plot 2d data and color scaling functionality </a:t>
+            </a:r>
+          </a:p>
+        </p:txBody>
+      </p:sp>
+    </p:spTree>
+    <p:extLst>
+      <p:ext uri="{BB962C8B-B14F-4D97-AF65-F5344CB8AC3E}">
+        <p14:creationId xmlns:p14="http://schemas.microsoft.com/office/powerpoint/2010/main" val="2117006661"/>
+      </p:ext>
+    </p:extLst>
+  </p:cSld>
+  <p:clrMapOvr>
+    <a:masterClrMapping/>
+  </p:clrMapOvr>
+</p:sld>
+</file>
+
+<file path=ppt/slides/slide6.xml><?xml version="1.0" encoding="utf-8"?>
 <p:sld xmlns:a="http://schemas.openxmlformats.org/drawingml/2006/main" xmlns:r="http://schemas.openxmlformats.org/officeDocument/2006/relationships" xmlns:p="http://schemas.openxmlformats.org/presentationml/2006/main">
   <p:cSld>
     <p:spTree>
@@ -4154,7 +4474,7 @@
 </p:sld>
 </file>
 
-<file path=ppt/slides/slide5.xml><?xml version="1.0" encoding="utf-8"?>
+<file path=ppt/slides/slide7.xml><?xml version="1.0" encoding="utf-8"?>
 <p:sld xmlns:a="http://schemas.openxmlformats.org/drawingml/2006/main" xmlns:r="http://schemas.openxmlformats.org/officeDocument/2006/relationships" xmlns:p="http://schemas.openxmlformats.org/presentationml/2006/main">
   <p:cSld>
     <p:spTree>
@@ -4289,7 +4609,7 @@
 </p:sld>
 </file>
 
-<file path=ppt/slides/slide6.xml><?xml version="1.0" encoding="utf-8"?>
+<file path=ppt/slides/slide8.xml><?xml version="1.0" encoding="utf-8"?>
 <p:sld xmlns:a="http://schemas.openxmlformats.org/drawingml/2006/main" xmlns:r="http://schemas.openxmlformats.org/officeDocument/2006/relationships" xmlns:p="http://schemas.openxmlformats.org/presentationml/2006/main">
   <p:cSld>
     <p:spTree>
@@ -4406,7 +4726,7 @@
 </p:sld>
 </file>
 
-<file path=ppt/slides/slide7.xml><?xml version="1.0" encoding="utf-8"?>
+<file path=ppt/slides/slide9.xml><?xml version="1.0" encoding="utf-8"?>
 <p:sld xmlns:a="http://schemas.openxmlformats.org/drawingml/2006/main" xmlns:r="http://schemas.openxmlformats.org/officeDocument/2006/relationships" xmlns:p="http://schemas.openxmlformats.org/presentationml/2006/main">
   <p:cSld>
     <p:spTree>
@@ -4480,89 +4800,6 @@
     <p:extLst>
       <p:ext uri="{BB962C8B-B14F-4D97-AF65-F5344CB8AC3E}">
         <p14:creationId xmlns:p14="http://schemas.microsoft.com/office/powerpoint/2010/main" val="2540200509"/>
-      </p:ext>
-    </p:extLst>
-  </p:cSld>
-  <p:clrMapOvr>
-    <a:masterClrMapping/>
-  </p:clrMapOvr>
-</p:sld>
-</file>
-
-<file path=ppt/slides/slide8.xml><?xml version="1.0" encoding="utf-8"?>
-<p:sld xmlns:a="http://schemas.openxmlformats.org/drawingml/2006/main" xmlns:r="http://schemas.openxmlformats.org/officeDocument/2006/relationships" xmlns:p="http://schemas.openxmlformats.org/presentationml/2006/main">
-  <p:cSld>
-    <p:spTree>
-      <p:nvGrpSpPr>
-        <p:cNvPr id="1" name=""/>
-        <p:cNvGrpSpPr/>
-        <p:nvPr/>
-      </p:nvGrpSpPr>
-      <p:grpSpPr>
-        <a:xfrm>
-          <a:off x="0" y="0"/>
-          <a:ext cx="0" cy="0"/>
-          <a:chOff x="0" y="0"/>
-          <a:chExt cx="0" cy="0"/>
-        </a:xfrm>
-      </p:grpSpPr>
-      <p:sp>
-        <p:nvSpPr>
-          <p:cNvPr id="2" name="Title 1">
-            <a:extLst>
-              <a:ext uri="{FF2B5EF4-FFF2-40B4-BE49-F238E27FC236}">
-                <a16:creationId xmlns:a16="http://schemas.microsoft.com/office/drawing/2014/main" id="{70B3815C-2E50-4C91-AAA5-EAD8485CC8D2}"/>
-              </a:ext>
-            </a:extLst>
-          </p:cNvPr>
-          <p:cNvSpPr>
-            <a:spLocks noGrp="1"/>
-          </p:cNvSpPr>
-          <p:nvPr>
-            <p:ph type="title"/>
-          </p:nvPr>
-        </p:nvSpPr>
-        <p:spPr/>
-        <p:txBody>
-          <a:bodyPr/>
-          <a:lstStyle/>
-          <a:p>
-            <a:r>
-              <a:rPr lang="en-US" dirty="0"/>
-              <a:t>Thank you </a:t>
-            </a:r>
-          </a:p>
-        </p:txBody>
-      </p:sp>
-      <p:sp>
-        <p:nvSpPr>
-          <p:cNvPr id="3" name="Text Placeholder 2">
-            <a:extLst>
-              <a:ext uri="{FF2B5EF4-FFF2-40B4-BE49-F238E27FC236}">
-                <a16:creationId xmlns:a16="http://schemas.microsoft.com/office/drawing/2014/main" id="{482A4537-C316-4670-BDAF-8F219D25DF21}"/>
-              </a:ext>
-            </a:extLst>
-          </p:cNvPr>
-          <p:cNvSpPr>
-            <a:spLocks noGrp="1"/>
-          </p:cNvSpPr>
-          <p:nvPr>
-            <p:ph type="body" idx="1"/>
-          </p:nvPr>
-        </p:nvSpPr>
-        <p:spPr/>
-        <p:txBody>
-          <a:bodyPr/>
-          <a:lstStyle/>
-          <a:p>
-            <a:endParaRPr lang="en-US"/>
-          </a:p>
-        </p:txBody>
-      </p:sp>
-    </p:spTree>
-    <p:extLst>
-      <p:ext uri="{BB962C8B-B14F-4D97-AF65-F5344CB8AC3E}">
-        <p14:creationId xmlns:p14="http://schemas.microsoft.com/office/powerpoint/2010/main" val="806972047"/>
       </p:ext>
     </p:extLst>
   </p:cSld>

--- a/presentations/Review 2.pptx
+++ b/presentations/Review 2.pptx
@@ -4320,20 +4320,6 @@
           <a:p>
             <a:pPr lvl="1"/>
             <a:r>
-              <a:rPr lang="en-US" dirty="0"/>
-              <a:t>Matplotlib – plotting library </a:t>
-            </a:r>
-          </a:p>
-          <a:p>
-            <a:pPr lvl="1"/>
-            <a:r>
-              <a:rPr lang="en-US" dirty="0"/>
-              <a:t>Seaborn – visualization library based on matplotlib</a:t>
-            </a:r>
-          </a:p>
-          <a:p>
-            <a:pPr lvl="1"/>
-            <a:r>
               <a:rPr lang="en-US" dirty="0" err="1"/>
               <a:t>Ploty</a:t>
             </a:r>
@@ -4341,6 +4327,18 @@
               <a:rPr lang="en-US" dirty="0"/>
               <a:t> – plot 2d data and color scaling functionality </a:t>
             </a:r>
+          </a:p>
+          <a:p>
+            <a:pPr lvl="1"/>
+            <a:r>
+              <a:rPr lang="en-US" dirty="0"/>
+              <a:t>Flask  - </a:t>
+            </a:r>
+            <a:r>
+              <a:rPr lang="en-US"/>
+              <a:t>website hosting </a:t>
+            </a:r>
+            <a:endParaRPr lang="en-US" dirty="0"/>
           </a:p>
         </p:txBody>
       </p:sp>
@@ -4556,11 +4554,11 @@
             </a:pPr>
             <a:r>
               <a:rPr lang="en-US" dirty="0"/>
-              <a:t>Project will be implemented using seaborn, matplot.lib, </a:t>
-            </a:r>
-            <a:r>
-              <a:rPr lang="en-US" dirty="0" err="1"/>
-              <a:t>ploty</a:t>
+              <a:t>Project will be implemented using </a:t>
+            </a:r>
+            <a:r>
+              <a:rPr lang="en-US"/>
+              <a:t>pandas,ploty</a:t>
             </a:r>
             <a:r>
               <a:rPr lang="en-US" dirty="0"/>
